--- a/Day04-Afternoon program.pptx
+++ b/Day04-Afternoon program.pptx
@@ -3525,7 +3525,7 @@
           <a:p>
             <a:pPr lvl="0"/>
             <a:r>
-              <a:rPr lang="en-US"/>
+              <a:rPr lang="en-US" dirty="0"/>
               <a:t>Afternoon program</a:t>
             </a:r>
           </a:p>
@@ -3597,14 +3597,22 @@
               </a:lnSpc>
             </a:pPr>
             <a:r>
-              <a:rPr lang="en-US" sz="2200"/>
-              <a:t> Work on the completion of Desdeo Example </a:t>
+              <a:rPr lang="en-US" sz="2200" dirty="0"/>
+              <a:t> Work on the completion of </a:t>
+            </a:r>
+            <a:r>
+              <a:rPr lang="en-US" sz="2200" dirty="0" err="1"/>
+              <a:t>Desdeo</a:t>
+            </a:r>
+            <a:r>
+              <a:rPr lang="en-US" sz="2200" dirty="0"/>
+              <a:t> Example </a:t>
             </a:r>
             <a:br>
-              <a:rPr lang="en-US" sz="2200"/>
+              <a:rPr lang="en-US" sz="2200" dirty="0"/>
             </a:br>
             <a:r>
-              <a:rPr lang="en-US" sz="2200"/>
+              <a:rPr lang="en-US" sz="2200" dirty="0"/>
               <a:t> for cone/tin objective</a:t>
             </a:r>
           </a:p>
@@ -3616,24 +3624,24 @@
               <a:buNone/>
             </a:pPr>
             <a:r>
-              <a:rPr lang="en-US" sz="2200"/>
+              <a:rPr lang="en-US" sz="2200" dirty="0"/>
               <a:t>	check out: git: Day03 Notebook and scripts</a:t>
             </a:r>
             <a:br>
-              <a:rPr lang="en-US" sz="2200"/>
+              <a:rPr lang="en-US" sz="2200" dirty="0"/>
             </a:br>
             <a:r>
-              <a:rPr lang="en-US" sz="2200"/>
+              <a:rPr lang="en-US" sz="2200" dirty="0"/>
               <a:t>              </a:t>
             </a:r>
             <a:r>
-              <a:rPr lang="en-US" sz="2200">
+              <a:rPr lang="en-US" sz="2200" dirty="0">
                 <a:latin typeface="-apple-system"/>
                 <a:hlinkClick r:id="rId5" tooltip="desdeo-test-problem-and-Pareto-plot.py"/>
               </a:rPr>
               <a:t>desdeo-test-problem-and-Pareto-plot.py</a:t>
             </a:r>
-            <a:endParaRPr lang="en-US" sz="2200"/>
+            <a:endParaRPr lang="en-US" sz="2200" dirty="0"/>
           </a:p>
           <a:p>
             <a:pPr marL="0" lvl="0" indent="0">
@@ -3643,7 +3651,7 @@
               <a:buNone/>
             </a:pPr>
             <a:r>
-              <a:rPr lang="en-US" sz="2200"/>
+              <a:rPr lang="en-US" sz="2200" dirty="0"/>
               <a:t> </a:t>
             </a:r>
           </a:p>
@@ -3654,7 +3662,7 @@
               </a:lnSpc>
             </a:pPr>
             <a:r>
-              <a:rPr lang="en-US" sz="2200"/>
+              <a:rPr lang="en-US" sz="2200" dirty="0"/>
               <a:t> Compute a Pareto front for Tent design:</a:t>
             </a:r>
           </a:p>
@@ -3666,18 +3674,26 @@
               <a:buNone/>
             </a:pPr>
             <a:r>
-              <a:rPr lang="en-US" sz="2200"/>
+              <a:rPr lang="en-US" sz="2200" dirty="0"/>
               <a:t>	</a:t>
             </a:r>
             <a:r>
-              <a:rPr lang="en-US" sz="2200">
+              <a:rPr lang="en-US" sz="2200" dirty="0">
                 <a:latin typeface="Wingdings" pitchFamily="2"/>
               </a:rPr>
               <a:t></a:t>
             </a:r>
             <a:r>
-              <a:rPr lang="en-US" sz="2200"/>
-              <a:t> 2 objectives: volume/surface (constant floor sidelength 1) </a:t>
+              <a:rPr lang="en-US" sz="2200" dirty="0"/>
+              <a:t> 2 objectives: volume/surface (constant floor </a:t>
+            </a:r>
+            <a:r>
+              <a:rPr lang="en-US" sz="2200" dirty="0" err="1"/>
+              <a:t>sidelength</a:t>
+            </a:r>
+            <a:r>
+              <a:rPr lang="en-US" sz="2200" dirty="0"/>
+              <a:t> 1) </a:t>
             </a:r>
           </a:p>
           <a:p>
@@ -3688,18 +3704,18 @@
               <a:buNone/>
             </a:pPr>
             <a:r>
-              <a:rPr lang="en-US" sz="2200"/>
+              <a:rPr lang="en-US" sz="2200" dirty="0"/>
               <a:t>	</a:t>
             </a:r>
             <a:r>
-              <a:rPr lang="en-US" sz="2200">
+              <a:rPr lang="en-US" sz="2200" dirty="0">
                 <a:latin typeface="Wingdings" pitchFamily="2"/>
               </a:rPr>
               <a:t></a:t>
             </a:r>
             <a:r>
-              <a:rPr lang="en-US" sz="2200"/>
-              <a:t> 3 objectives: two bar truss	</a:t>
+              <a:rPr lang="en-US" sz="2200" dirty="0"/>
+              <a:t> 3 objectives: two bar truss (exclude buckling stress)	</a:t>
             </a:r>
           </a:p>
           <a:p>
@@ -3710,17 +3726,17 @@
               <a:buNone/>
             </a:pPr>
             <a:r>
-              <a:rPr lang="en-US" sz="2200"/>
+              <a:rPr lang="en-US" sz="2200" dirty="0"/>
               <a:t>              </a:t>
             </a:r>
             <a:r>
-              <a:rPr lang="en-US" sz="2200">
+              <a:rPr lang="en-US" sz="2200" dirty="0">
                 <a:latin typeface="Wingdings" pitchFamily="2"/>
               </a:rPr>
               <a:t></a:t>
             </a:r>
             <a:r>
-              <a:rPr lang="en-US" sz="2200"/>
+              <a:rPr lang="en-US" sz="2200" dirty="0"/>
               <a:t> 4 objectives: height, floor, surface, volume</a:t>
             </a:r>
           </a:p>
@@ -3732,8 +3748,8 @@
               <a:buNone/>
             </a:pPr>
             <a:r>
-              <a:rPr lang="en-US" sz="2200"/>
-              <a:t>	Use 10 point designs in all cases to produce the Pareto front</a:t>
+              <a:rPr lang="en-US" sz="2200" dirty="0"/>
+              <a:t>	Use 15 point designs in all cases to produce the Pareto front</a:t>
             </a:r>
           </a:p>
           <a:p>
@@ -3744,7 +3760,7 @@
               <a:buNone/>
             </a:pPr>
             <a:r>
-              <a:rPr lang="en-US" sz="2200"/>
+              <a:rPr lang="en-US" sz="2200" dirty="0"/>
               <a:t>Visualize some solutions on the Pareto front (for the report)</a:t>
             </a:r>
           </a:p>
@@ -3756,14 +3772,14 @@
               <a:buNone/>
             </a:pPr>
             <a:r>
-              <a:rPr lang="en-US" sz="2200"/>
+              <a:rPr lang="en-US" sz="2200" dirty="0"/>
               <a:t>Send Pareto front to Bhupinder </a:t>
             </a:r>
             <a:br>
-              <a:rPr lang="en-US" sz="2200"/>
+              <a:rPr lang="en-US" sz="2200" dirty="0"/>
             </a:br>
             <a:r>
-              <a:rPr lang="en-US" sz="2200"/>
+              <a:rPr lang="en-US" sz="2200" dirty="0"/>
               <a:t>We will collect and make combined Pareto front</a:t>
             </a:r>
           </a:p>
@@ -3774,7 +3790,7 @@
               </a:lnSpc>
               <a:buNone/>
             </a:pPr>
-            <a:endParaRPr lang="en-US" sz="2200"/>
+            <a:endParaRPr lang="en-US" sz="2200" dirty="0"/>
           </a:p>
         </p:txBody>
       </p:sp>
@@ -5334,694 +5350,6 @@
           </a:p>
         </p:txBody>
       </p:sp>
-      <p:grpSp>
-        <p:nvGrpSpPr>
-          <p:cNvPr id="20" name="Group 43">
-            <a:extLst>
-              <a:ext uri="{FF2B5EF4-FFF2-40B4-BE49-F238E27FC236}">
-                <a16:creationId xmlns:a16="http://schemas.microsoft.com/office/drawing/2014/main" id="{145B4719-BCF0-4146-A4DD-C39FFE0F3EA5}"/>
-              </a:ext>
-            </a:extLst>
-          </p:cNvPr>
-          <p:cNvGrpSpPr/>
-          <p:nvPr/>
-        </p:nvGrpSpPr>
-        <p:grpSpPr>
-          <a:xfrm>
-            <a:off x="7485068" y="181106"/>
-            <a:ext cx="3132359" cy="336956"/>
-            <a:chOff x="7485068" y="181106"/>
-            <a:chExt cx="3132359" cy="336956"/>
-          </a:xfrm>
-        </p:grpSpPr>
-        <p:pic>
-          <p:nvPicPr>
-            <p:cNvPr id="21" name="Ink 21">
-              <a:extLst>
-                <a:ext uri="{FF2B5EF4-FFF2-40B4-BE49-F238E27FC236}">
-                  <a16:creationId xmlns:a16="http://schemas.microsoft.com/office/drawing/2014/main" id="{0A993001-3960-4FE8-8929-87C0298A3393}"/>
-                </a:ext>
-              </a:extLst>
-            </p:cNvPr>
-            <p:cNvPicPr>
-              <a:picLocks noChangeAspect="1"/>
-            </p:cNvPicPr>
-            <p:nvPr/>
-          </p:nvPicPr>
-          <p:blipFill>
-            <a:blip r:embed="rId7"/>
-            <a:stretch>
-              <a:fillRect/>
-            </a:stretch>
-          </p:blipFill>
-          <p:spPr>
-            <a:xfrm>
-              <a:off x="7485068" y="311426"/>
-              <a:ext cx="33119" cy="173882"/>
-            </a:xfrm>
-            <a:prstGeom prst="rect">
-              <a:avLst/>
-            </a:prstGeom>
-            <a:noFill/>
-            <a:ln cap="flat">
-              <a:noFill/>
-            </a:ln>
-          </p:spPr>
-        </p:pic>
-        <p:pic>
-          <p:nvPicPr>
-            <p:cNvPr id="22" name="Ink 23">
-              <a:extLst>
-                <a:ext uri="{FF2B5EF4-FFF2-40B4-BE49-F238E27FC236}">
-                  <a16:creationId xmlns:a16="http://schemas.microsoft.com/office/drawing/2014/main" id="{641767CA-1AC9-4AE2-B3AD-F81DD3FC1281}"/>
-                </a:ext>
-              </a:extLst>
-            </p:cNvPr>
-            <p:cNvPicPr>
-              <a:picLocks noChangeAspect="1"/>
-            </p:cNvPicPr>
-            <p:nvPr/>
-          </p:nvPicPr>
-          <p:blipFill>
-            <a:blip r:embed="rId8"/>
-            <a:stretch>
-              <a:fillRect/>
-            </a:stretch>
-          </p:blipFill>
-          <p:spPr>
-            <a:xfrm>
-              <a:off x="7504508" y="272902"/>
-              <a:ext cx="66239" cy="118076"/>
-            </a:xfrm>
-            <a:prstGeom prst="rect">
-              <a:avLst/>
-            </a:prstGeom>
-            <a:noFill/>
-            <a:ln cap="flat">
-              <a:noFill/>
-            </a:ln>
-          </p:spPr>
-        </p:pic>
-        <p:pic>
-          <p:nvPicPr>
-            <p:cNvPr id="23" name="Ink 24">
-              <a:extLst>
-                <a:ext uri="{FF2B5EF4-FFF2-40B4-BE49-F238E27FC236}">
-                  <a16:creationId xmlns:a16="http://schemas.microsoft.com/office/drawing/2014/main" id="{0D10E095-6D0A-44BA-AC71-07948DD27AD4}"/>
-                </a:ext>
-              </a:extLst>
-            </p:cNvPr>
-            <p:cNvPicPr>
-              <a:picLocks noChangeAspect="1"/>
-            </p:cNvPicPr>
-            <p:nvPr/>
-          </p:nvPicPr>
-          <p:blipFill>
-            <a:blip r:embed="rId9"/>
-            <a:stretch>
-              <a:fillRect/>
-            </a:stretch>
-          </p:blipFill>
-          <p:spPr>
-            <a:xfrm>
-              <a:off x="7639144" y="362897"/>
-              <a:ext cx="277922" cy="102961"/>
-            </a:xfrm>
-            <a:prstGeom prst="rect">
-              <a:avLst/>
-            </a:prstGeom>
-            <a:noFill/>
-            <a:ln cap="flat">
-              <a:noFill/>
-            </a:ln>
-          </p:spPr>
-        </p:pic>
-        <p:pic>
-          <p:nvPicPr>
-            <p:cNvPr id="24" name="Ink 25">
-              <a:extLst>
-                <a:ext uri="{FF2B5EF4-FFF2-40B4-BE49-F238E27FC236}">
-                  <a16:creationId xmlns:a16="http://schemas.microsoft.com/office/drawing/2014/main" id="{39B77635-0FC8-4E12-BC5B-314D92B3E473}"/>
-                </a:ext>
-              </a:extLst>
-            </p:cNvPr>
-            <p:cNvPicPr>
-              <a:picLocks noChangeAspect="1"/>
-            </p:cNvPicPr>
-            <p:nvPr/>
-          </p:nvPicPr>
-          <p:blipFill>
-            <a:blip r:embed="rId10"/>
-            <a:stretch>
-              <a:fillRect/>
-            </a:stretch>
-          </p:blipFill>
-          <p:spPr>
-            <a:xfrm>
-              <a:off x="7999866" y="182185"/>
-              <a:ext cx="766440" cy="312121"/>
-            </a:xfrm>
-            <a:prstGeom prst="rect">
-              <a:avLst/>
-            </a:prstGeom>
-            <a:noFill/>
-            <a:ln cap="flat">
-              <a:noFill/>
-            </a:ln>
-          </p:spPr>
-        </p:pic>
-        <p:pic>
-          <p:nvPicPr>
-            <p:cNvPr id="25" name="Ink 27">
-              <a:extLst>
-                <a:ext uri="{FF2B5EF4-FFF2-40B4-BE49-F238E27FC236}">
-                  <a16:creationId xmlns:a16="http://schemas.microsoft.com/office/drawing/2014/main" id="{F18B9316-93D3-4F92-A6D6-BD37D5455162}"/>
-                </a:ext>
-              </a:extLst>
-            </p:cNvPr>
-            <p:cNvPicPr>
-              <a:picLocks noChangeAspect="1"/>
-            </p:cNvPicPr>
-            <p:nvPr/>
-          </p:nvPicPr>
-          <p:blipFill>
-            <a:blip r:embed="rId11"/>
-            <a:stretch>
-              <a:fillRect/>
-            </a:stretch>
-          </p:blipFill>
-          <p:spPr>
-            <a:xfrm>
-              <a:off x="8918225" y="187945"/>
-              <a:ext cx="180722" cy="307439"/>
-            </a:xfrm>
-            <a:prstGeom prst="rect">
-              <a:avLst/>
-            </a:prstGeom>
-            <a:noFill/>
-            <a:ln cap="flat">
-              <a:noFill/>
-            </a:ln>
-          </p:spPr>
-        </p:pic>
-        <p:pic>
-          <p:nvPicPr>
-            <p:cNvPr id="26" name="Ink 28">
-              <a:extLst>
-                <a:ext uri="{FF2B5EF4-FFF2-40B4-BE49-F238E27FC236}">
-                  <a16:creationId xmlns:a16="http://schemas.microsoft.com/office/drawing/2014/main" id="{4F22D36F-1A3E-49D6-AF50-94D0EC0389AC}"/>
-                </a:ext>
-              </a:extLst>
-            </p:cNvPr>
-            <p:cNvPicPr>
-              <a:picLocks noChangeAspect="1"/>
-            </p:cNvPicPr>
-            <p:nvPr/>
-          </p:nvPicPr>
-          <p:blipFill>
-            <a:blip r:embed="rId12"/>
-            <a:stretch>
-              <a:fillRect/>
-            </a:stretch>
-          </p:blipFill>
-          <p:spPr>
-            <a:xfrm>
-              <a:off x="9102184" y="409340"/>
-              <a:ext cx="87124" cy="73801"/>
-            </a:xfrm>
-            <a:prstGeom prst="rect">
-              <a:avLst/>
-            </a:prstGeom>
-            <a:noFill/>
-            <a:ln cap="flat">
-              <a:noFill/>
-            </a:ln>
-          </p:spPr>
-        </p:pic>
-        <p:pic>
-          <p:nvPicPr>
-            <p:cNvPr id="27" name="Ink 29">
-              <a:extLst>
-                <a:ext uri="{FF2B5EF4-FFF2-40B4-BE49-F238E27FC236}">
-                  <a16:creationId xmlns:a16="http://schemas.microsoft.com/office/drawing/2014/main" id="{7BF7EAB4-E1A1-4540-BF67-5D4C314978CE}"/>
-                </a:ext>
-              </a:extLst>
-            </p:cNvPr>
-            <p:cNvPicPr>
-              <a:picLocks noChangeAspect="1"/>
-            </p:cNvPicPr>
-            <p:nvPr/>
-          </p:nvPicPr>
-          <p:blipFill>
-            <a:blip r:embed="rId13"/>
-            <a:stretch>
-              <a:fillRect/>
-            </a:stretch>
-          </p:blipFill>
-          <p:spPr>
-            <a:xfrm>
-              <a:off x="9253380" y="362897"/>
-              <a:ext cx="261719" cy="122758"/>
-            </a:xfrm>
-            <a:prstGeom prst="rect">
-              <a:avLst/>
-            </a:prstGeom>
-            <a:noFill/>
-            <a:ln cap="flat">
-              <a:noFill/>
-            </a:ln>
-          </p:spPr>
-        </p:pic>
-        <p:pic>
-          <p:nvPicPr>
-            <p:cNvPr id="28" name="Ink 30">
-              <a:extLst>
-                <a:ext uri="{FF2B5EF4-FFF2-40B4-BE49-F238E27FC236}">
-                  <a16:creationId xmlns:a16="http://schemas.microsoft.com/office/drawing/2014/main" id="{7CC5CC0B-AE3E-4F31-B5FA-76BB87105124}"/>
-                </a:ext>
-              </a:extLst>
-            </p:cNvPr>
-            <p:cNvPicPr>
-              <a:picLocks noChangeAspect="1"/>
-            </p:cNvPicPr>
-            <p:nvPr/>
-          </p:nvPicPr>
-          <p:blipFill>
-            <a:blip r:embed="rId14"/>
-            <a:stretch>
-              <a:fillRect/>
-            </a:stretch>
-          </p:blipFill>
-          <p:spPr>
-            <a:xfrm>
-              <a:off x="9567303" y="182898"/>
-              <a:ext cx="359642" cy="335164"/>
-            </a:xfrm>
-            <a:prstGeom prst="rect">
-              <a:avLst/>
-            </a:prstGeom>
-            <a:noFill/>
-            <a:ln cap="flat">
-              <a:noFill/>
-            </a:ln>
-          </p:spPr>
-        </p:pic>
-        <p:pic>
-          <p:nvPicPr>
-            <p:cNvPr id="29" name="Ink 31">
-              <a:extLst>
-                <a:ext uri="{FF2B5EF4-FFF2-40B4-BE49-F238E27FC236}">
-                  <a16:creationId xmlns:a16="http://schemas.microsoft.com/office/drawing/2014/main" id="{9DA1E901-F20D-461B-BBF3-B45010759AEE}"/>
-                </a:ext>
-              </a:extLst>
-            </p:cNvPr>
-            <p:cNvPicPr>
-              <a:picLocks noChangeAspect="1"/>
-            </p:cNvPicPr>
-            <p:nvPr/>
-          </p:nvPicPr>
-          <p:blipFill>
-            <a:blip r:embed="rId15"/>
-            <a:stretch>
-              <a:fillRect/>
-            </a:stretch>
-          </p:blipFill>
-          <p:spPr>
-            <a:xfrm>
-              <a:off x="9931627" y="230419"/>
-              <a:ext cx="15124" cy="21598"/>
-            </a:xfrm>
-            <a:prstGeom prst="rect">
-              <a:avLst/>
-            </a:prstGeom>
-            <a:noFill/>
-            <a:ln cap="flat">
-              <a:noFill/>
-            </a:ln>
-          </p:spPr>
-        </p:pic>
-        <p:pic>
-          <p:nvPicPr>
-            <p:cNvPr id="30" name="Ink 32">
-              <a:extLst>
-                <a:ext uri="{FF2B5EF4-FFF2-40B4-BE49-F238E27FC236}">
-                  <a16:creationId xmlns:a16="http://schemas.microsoft.com/office/drawing/2014/main" id="{FAF5FE20-DC1F-47F3-8EBB-B3C586E32FE4}"/>
-                </a:ext>
-              </a:extLst>
-            </p:cNvPr>
-            <p:cNvPicPr>
-              <a:picLocks noChangeAspect="1"/>
-            </p:cNvPicPr>
-            <p:nvPr/>
-          </p:nvPicPr>
-          <p:blipFill>
-            <a:blip r:embed="rId16"/>
-            <a:stretch>
-              <a:fillRect/>
-            </a:stretch>
-          </p:blipFill>
-          <p:spPr>
-            <a:xfrm>
-              <a:off x="10042141" y="328342"/>
-              <a:ext cx="5404" cy="3602"/>
-            </a:xfrm>
-            <a:prstGeom prst="rect">
-              <a:avLst/>
-            </a:prstGeom>
-            <a:noFill/>
-            <a:ln cap="flat">
-              <a:noFill/>
-            </a:ln>
-          </p:spPr>
-        </p:pic>
-        <p:pic>
-          <p:nvPicPr>
-            <p:cNvPr id="31" name="Ink 33">
-              <a:extLst>
-                <a:ext uri="{FF2B5EF4-FFF2-40B4-BE49-F238E27FC236}">
-                  <a16:creationId xmlns:a16="http://schemas.microsoft.com/office/drawing/2014/main" id="{3F3486DE-BBAD-4D5F-9198-54E59F036F25}"/>
-                </a:ext>
-              </a:extLst>
-            </p:cNvPr>
-            <p:cNvPicPr>
-              <a:picLocks noChangeAspect="1"/>
-            </p:cNvPicPr>
-            <p:nvPr/>
-          </p:nvPicPr>
-          <p:blipFill>
-            <a:blip r:embed="rId17"/>
-            <a:stretch>
-              <a:fillRect/>
-            </a:stretch>
-          </p:blipFill>
-          <p:spPr>
-            <a:xfrm>
-              <a:off x="10013347" y="331579"/>
-              <a:ext cx="146523" cy="125638"/>
-            </a:xfrm>
-            <a:prstGeom prst="rect">
-              <a:avLst/>
-            </a:prstGeom>
-            <a:noFill/>
-            <a:ln cap="flat">
-              <a:noFill/>
-            </a:ln>
-          </p:spPr>
-        </p:pic>
-        <p:pic>
-          <p:nvPicPr>
-            <p:cNvPr id="32" name="Ink 34">
-              <a:extLst>
-                <a:ext uri="{FF2B5EF4-FFF2-40B4-BE49-F238E27FC236}">
-                  <a16:creationId xmlns:a16="http://schemas.microsoft.com/office/drawing/2014/main" id="{5AD55CCE-083E-4EA2-89F1-D5BE1DF68D6F}"/>
-                </a:ext>
-              </a:extLst>
-            </p:cNvPr>
-            <p:cNvPicPr>
-              <a:picLocks noChangeAspect="1"/>
-            </p:cNvPicPr>
-            <p:nvPr/>
-          </p:nvPicPr>
-          <p:blipFill>
-            <a:blip r:embed="rId18"/>
-            <a:stretch>
-              <a:fillRect/>
-            </a:stretch>
-          </p:blipFill>
-          <p:spPr>
-            <a:xfrm>
-              <a:off x="10203067" y="345624"/>
-              <a:ext cx="124202" cy="110880"/>
-            </a:xfrm>
-            <a:prstGeom prst="rect">
-              <a:avLst/>
-            </a:prstGeom>
-            <a:noFill/>
-            <a:ln cap="flat">
-              <a:noFill/>
-            </a:ln>
-          </p:spPr>
-        </p:pic>
-        <p:pic>
-          <p:nvPicPr>
-            <p:cNvPr id="33" name="Ink 35">
-              <a:extLst>
-                <a:ext uri="{FF2B5EF4-FFF2-40B4-BE49-F238E27FC236}">
-                  <a16:creationId xmlns:a16="http://schemas.microsoft.com/office/drawing/2014/main" id="{BEEBF3E4-970F-4A06-A2E2-5D3383A973A5}"/>
-                </a:ext>
-              </a:extLst>
-            </p:cNvPr>
-            <p:cNvPicPr>
-              <a:picLocks noChangeAspect="1"/>
-            </p:cNvPicPr>
-            <p:nvPr/>
-          </p:nvPicPr>
-          <p:blipFill>
-            <a:blip r:embed="rId19"/>
-            <a:stretch>
-              <a:fillRect/>
-            </a:stretch>
-          </p:blipFill>
-          <p:spPr>
-            <a:xfrm>
-              <a:off x="10460827" y="181106"/>
-              <a:ext cx="33119" cy="219958"/>
-            </a:xfrm>
-            <a:prstGeom prst="rect">
-              <a:avLst/>
-            </a:prstGeom>
-            <a:noFill/>
-            <a:ln cap="flat">
-              <a:noFill/>
-            </a:ln>
-          </p:spPr>
-        </p:pic>
-        <p:pic>
-          <p:nvPicPr>
-            <p:cNvPr id="34" name="Ink 36">
-              <a:extLst>
-                <a:ext uri="{FF2B5EF4-FFF2-40B4-BE49-F238E27FC236}">
-                  <a16:creationId xmlns:a16="http://schemas.microsoft.com/office/drawing/2014/main" id="{7B847F57-B92A-40F0-8013-D1CF56779C48}"/>
-                </a:ext>
-              </a:extLst>
-            </p:cNvPr>
-            <p:cNvPicPr>
-              <a:picLocks noChangeAspect="1"/>
-            </p:cNvPicPr>
-            <p:nvPr/>
-          </p:nvPicPr>
-          <p:blipFill>
-            <a:blip r:embed="rId20"/>
-            <a:stretch>
-              <a:fillRect/>
-            </a:stretch>
-          </p:blipFill>
-          <p:spPr>
-            <a:xfrm>
-              <a:off x="10421947" y="318622"/>
-              <a:ext cx="195480" cy="166676"/>
-            </a:xfrm>
-            <a:prstGeom prst="rect">
-              <a:avLst/>
-            </a:prstGeom>
-            <a:noFill/>
-            <a:ln cap="flat">
-              <a:noFill/>
-            </a:ln>
-          </p:spPr>
-        </p:pic>
-      </p:grpSp>
-      <p:grpSp>
-        <p:nvGrpSpPr>
-          <p:cNvPr id="35" name="Group 42">
-            <a:extLst>
-              <a:ext uri="{FF2B5EF4-FFF2-40B4-BE49-F238E27FC236}">
-                <a16:creationId xmlns:a16="http://schemas.microsoft.com/office/drawing/2014/main" id="{B88533FC-568A-4C41-9681-0DE6946137B1}"/>
-              </a:ext>
-            </a:extLst>
-          </p:cNvPr>
-          <p:cNvGrpSpPr/>
-          <p:nvPr/>
-        </p:nvGrpSpPr>
-        <p:grpSpPr>
-          <a:xfrm>
-            <a:off x="10914781" y="154826"/>
-            <a:ext cx="653402" cy="274310"/>
-            <a:chOff x="10914781" y="154826"/>
-            <a:chExt cx="653402" cy="274310"/>
-          </a:xfrm>
-        </p:grpSpPr>
-        <p:pic>
-          <p:nvPicPr>
-            <p:cNvPr id="36" name="Ink 37">
-              <a:extLst>
-                <a:ext uri="{FF2B5EF4-FFF2-40B4-BE49-F238E27FC236}">
-                  <a16:creationId xmlns:a16="http://schemas.microsoft.com/office/drawing/2014/main" id="{638DD966-A810-4340-8F5C-BFE8C38F0901}"/>
-                </a:ext>
-              </a:extLst>
-            </p:cNvPr>
-            <p:cNvPicPr>
-              <a:picLocks noChangeAspect="1"/>
-            </p:cNvPicPr>
-            <p:nvPr/>
-          </p:nvPicPr>
-          <p:blipFill>
-            <a:blip r:embed="rId21"/>
-            <a:stretch>
-              <a:fillRect/>
-            </a:stretch>
-          </p:blipFill>
-          <p:spPr>
-            <a:xfrm>
-              <a:off x="10914781" y="162379"/>
-              <a:ext cx="123837" cy="246238"/>
-            </a:xfrm>
-            <a:prstGeom prst="rect">
-              <a:avLst/>
-            </a:prstGeom>
-            <a:noFill/>
-            <a:ln cap="flat">
-              <a:noFill/>
-            </a:ln>
-          </p:spPr>
-        </p:pic>
-        <p:pic>
-          <p:nvPicPr>
-            <p:cNvPr id="37" name="Ink 38">
-              <a:extLst>
-                <a:ext uri="{FF2B5EF4-FFF2-40B4-BE49-F238E27FC236}">
-                  <a16:creationId xmlns:a16="http://schemas.microsoft.com/office/drawing/2014/main" id="{99DAF2E5-2D19-4F66-9D25-ECF737B49B10}"/>
-                </a:ext>
-              </a:extLst>
-            </p:cNvPr>
-            <p:cNvPicPr>
-              <a:picLocks noChangeAspect="1"/>
-            </p:cNvPicPr>
-            <p:nvPr/>
-          </p:nvPicPr>
-          <p:blipFill>
-            <a:blip r:embed="rId22"/>
-            <a:stretch>
-              <a:fillRect/>
-            </a:stretch>
-          </p:blipFill>
-          <p:spPr>
-            <a:xfrm>
-              <a:off x="11067787" y="159864"/>
-              <a:ext cx="197638" cy="258482"/>
-            </a:xfrm>
-            <a:prstGeom prst="rect">
-              <a:avLst/>
-            </a:prstGeom>
-            <a:noFill/>
-            <a:ln cap="flat">
-              <a:noFill/>
-            </a:ln>
-          </p:spPr>
-        </p:pic>
-        <p:pic>
-          <p:nvPicPr>
-            <p:cNvPr id="38" name="Ink 39">
-              <a:extLst>
-                <a:ext uri="{FF2B5EF4-FFF2-40B4-BE49-F238E27FC236}">
-                  <a16:creationId xmlns:a16="http://schemas.microsoft.com/office/drawing/2014/main" id="{30A95A38-BA85-4591-A2D0-765749A12265}"/>
-                </a:ext>
-              </a:extLst>
-            </p:cNvPr>
-            <p:cNvPicPr>
-              <a:picLocks noChangeAspect="1"/>
-            </p:cNvPicPr>
-            <p:nvPr/>
-          </p:nvPicPr>
-          <p:blipFill>
-            <a:blip r:embed="rId23"/>
-            <a:stretch>
-              <a:fillRect/>
-            </a:stretch>
-          </p:blipFill>
-          <p:spPr>
-            <a:xfrm>
-              <a:off x="11294586" y="356058"/>
-              <a:ext cx="122401" cy="73078"/>
-            </a:xfrm>
-            <a:prstGeom prst="rect">
-              <a:avLst/>
-            </a:prstGeom>
-            <a:noFill/>
-            <a:ln cap="flat">
-              <a:noFill/>
-            </a:ln>
-          </p:spPr>
-        </p:pic>
-        <p:pic>
-          <p:nvPicPr>
-            <p:cNvPr id="39" name="Ink 40">
-              <a:extLst>
-                <a:ext uri="{FF2B5EF4-FFF2-40B4-BE49-F238E27FC236}">
-                  <a16:creationId xmlns:a16="http://schemas.microsoft.com/office/drawing/2014/main" id="{0A3848E4-8994-4CEA-BE9A-F43CDDD1FEA7}"/>
-                </a:ext>
-              </a:extLst>
-            </p:cNvPr>
-            <p:cNvPicPr>
-              <a:picLocks noChangeAspect="1"/>
-            </p:cNvPicPr>
-            <p:nvPr/>
-          </p:nvPicPr>
-          <p:blipFill>
-            <a:blip r:embed="rId24"/>
-            <a:stretch>
-              <a:fillRect/>
-            </a:stretch>
-          </p:blipFill>
-          <p:spPr>
-            <a:xfrm>
-              <a:off x="11476387" y="154826"/>
-              <a:ext cx="91796" cy="267836"/>
-            </a:xfrm>
-            <a:prstGeom prst="rect">
-              <a:avLst/>
-            </a:prstGeom>
-            <a:noFill/>
-            <a:ln cap="flat">
-              <a:noFill/>
-            </a:ln>
-          </p:spPr>
-        </p:pic>
-        <p:pic>
-          <p:nvPicPr>
-            <p:cNvPr id="40" name="Ink 41">
-              <a:extLst>
-                <a:ext uri="{FF2B5EF4-FFF2-40B4-BE49-F238E27FC236}">
-                  <a16:creationId xmlns:a16="http://schemas.microsoft.com/office/drawing/2014/main" id="{6280887B-AA77-4070-87A6-0634CA59BEB3}"/>
-                </a:ext>
-              </a:extLst>
-            </p:cNvPr>
-            <p:cNvPicPr>
-              <a:picLocks noChangeAspect="1"/>
-            </p:cNvPicPr>
-            <p:nvPr/>
-          </p:nvPicPr>
-          <p:blipFill>
-            <a:blip r:embed="rId25"/>
-            <a:stretch>
-              <a:fillRect/>
-            </a:stretch>
-          </p:blipFill>
-          <p:spPr>
-            <a:xfrm>
-              <a:off x="11456947" y="316821"/>
-              <a:ext cx="81363" cy="11878"/>
-            </a:xfrm>
-            <a:prstGeom prst="rect">
-              <a:avLst/>
-            </a:prstGeom>
-            <a:noFill/>
-            <a:ln cap="flat">
-              <a:noFill/>
-            </a:ln>
-          </p:spPr>
-        </p:pic>
-      </p:grpSp>
       <p:pic>
         <p:nvPicPr>
           <p:cNvPr id="41" name="Ink 44">
@@ -6037,7 +5365,7 @@
           <p:nvPr/>
         </p:nvPicPr>
         <p:blipFill>
-          <a:blip r:embed="rId26"/>
+          <a:blip r:embed="rId7"/>
           <a:stretch>
             <a:fillRect/>
           </a:stretch>
@@ -6056,299 +5384,6 @@
           </a:ln>
         </p:spPr>
       </p:pic>
-      <p:grpSp>
-        <p:nvGrpSpPr>
-          <p:cNvPr id="42" name="Group 53">
-            <a:extLst>
-              <a:ext uri="{FF2B5EF4-FFF2-40B4-BE49-F238E27FC236}">
-                <a16:creationId xmlns:a16="http://schemas.microsoft.com/office/drawing/2014/main" id="{67693FC3-ACD5-464F-B996-60076CD76FEC}"/>
-              </a:ext>
-            </a:extLst>
-          </p:cNvPr>
-          <p:cNvGrpSpPr/>
-          <p:nvPr/>
-        </p:nvGrpSpPr>
-        <p:grpSpPr>
-          <a:xfrm>
-            <a:off x="4618387" y="266419"/>
-            <a:ext cx="1386349" cy="276477"/>
-            <a:chOff x="4618387" y="266419"/>
-            <a:chExt cx="1386349" cy="276477"/>
-          </a:xfrm>
-        </p:grpSpPr>
-        <p:pic>
-          <p:nvPicPr>
-            <p:cNvPr id="43" name="Ink 45">
-              <a:extLst>
-                <a:ext uri="{FF2B5EF4-FFF2-40B4-BE49-F238E27FC236}">
-                  <a16:creationId xmlns:a16="http://schemas.microsoft.com/office/drawing/2014/main" id="{C441908F-4ECE-42BC-BF5A-6FBA16BAB87A}"/>
-                </a:ext>
-              </a:extLst>
-            </p:cNvPr>
-            <p:cNvPicPr>
-              <a:picLocks noChangeAspect="1"/>
-            </p:cNvPicPr>
-            <p:nvPr/>
-          </p:nvPicPr>
-          <p:blipFill>
-            <a:blip r:embed="rId27"/>
-            <a:stretch>
-              <a:fillRect/>
-            </a:stretch>
-          </p:blipFill>
-          <p:spPr>
-            <a:xfrm>
-              <a:off x="4618387" y="306744"/>
-              <a:ext cx="114482" cy="191521"/>
-            </a:xfrm>
-            <a:prstGeom prst="rect">
-              <a:avLst/>
-            </a:prstGeom>
-            <a:noFill/>
-            <a:ln cap="flat">
-              <a:noFill/>
-            </a:ln>
-          </p:spPr>
-        </p:pic>
-        <p:pic>
-          <p:nvPicPr>
-            <p:cNvPr id="44" name="Ink 46">
-              <a:extLst>
-                <a:ext uri="{FF2B5EF4-FFF2-40B4-BE49-F238E27FC236}">
-                  <a16:creationId xmlns:a16="http://schemas.microsoft.com/office/drawing/2014/main" id="{A824825C-CF48-4E5C-8230-96E730505211}"/>
-                </a:ext>
-              </a:extLst>
-            </p:cNvPr>
-            <p:cNvPicPr>
-              <a:picLocks noChangeAspect="1"/>
-            </p:cNvPicPr>
-            <p:nvPr/>
-          </p:nvPicPr>
-          <p:blipFill>
-            <a:blip r:embed="rId28"/>
-            <a:stretch>
-              <a:fillRect/>
-            </a:stretch>
-          </p:blipFill>
-          <p:spPr>
-            <a:xfrm>
-              <a:off x="4843384" y="438500"/>
-              <a:ext cx="87837" cy="101516"/>
-            </a:xfrm>
-            <a:prstGeom prst="rect">
-              <a:avLst/>
-            </a:prstGeom>
-            <a:noFill/>
-            <a:ln cap="flat">
-              <a:noFill/>
-            </a:ln>
-          </p:spPr>
-        </p:pic>
-        <p:pic>
-          <p:nvPicPr>
-            <p:cNvPr id="45" name="Ink 47">
-              <a:extLst>
-                <a:ext uri="{FF2B5EF4-FFF2-40B4-BE49-F238E27FC236}">
-                  <a16:creationId xmlns:a16="http://schemas.microsoft.com/office/drawing/2014/main" id="{1FCE6285-F613-4B52-BD1C-4010B215EF51}"/>
-                </a:ext>
-              </a:extLst>
-            </p:cNvPr>
-            <p:cNvPicPr>
-              <a:picLocks noChangeAspect="1"/>
-            </p:cNvPicPr>
-            <p:nvPr/>
-          </p:nvPicPr>
-          <p:blipFill>
-            <a:blip r:embed="rId29"/>
-            <a:stretch>
-              <a:fillRect/>
-            </a:stretch>
-          </p:blipFill>
-          <p:spPr>
-            <a:xfrm>
-              <a:off x="5064788" y="322938"/>
-              <a:ext cx="378003" cy="219958"/>
-            </a:xfrm>
-            <a:prstGeom prst="rect">
-              <a:avLst/>
-            </a:prstGeom>
-            <a:noFill/>
-            <a:ln cap="flat">
-              <a:noFill/>
-            </a:ln>
-          </p:spPr>
-        </p:pic>
-        <p:pic>
-          <p:nvPicPr>
-            <p:cNvPr id="46" name="Ink 48">
-              <a:extLst>
-                <a:ext uri="{FF2B5EF4-FFF2-40B4-BE49-F238E27FC236}">
-                  <a16:creationId xmlns:a16="http://schemas.microsoft.com/office/drawing/2014/main" id="{7BD5B56D-8EBE-49F5-BABC-64C54101711E}"/>
-                </a:ext>
-              </a:extLst>
-            </p:cNvPr>
-            <p:cNvPicPr>
-              <a:picLocks noChangeAspect="1"/>
-            </p:cNvPicPr>
-            <p:nvPr/>
-          </p:nvPicPr>
-          <p:blipFill>
-            <a:blip r:embed="rId30"/>
-            <a:stretch>
-              <a:fillRect/>
-            </a:stretch>
-          </p:blipFill>
-          <p:spPr>
-            <a:xfrm>
-              <a:off x="5546466" y="266419"/>
-              <a:ext cx="8284" cy="199796"/>
-            </a:xfrm>
-            <a:prstGeom prst="rect">
-              <a:avLst/>
-            </a:prstGeom>
-            <a:noFill/>
-            <a:ln cap="flat">
-              <a:noFill/>
-            </a:ln>
-          </p:spPr>
-        </p:pic>
-        <p:pic>
-          <p:nvPicPr>
-            <p:cNvPr id="47" name="Ink 49">
-              <a:extLst>
-                <a:ext uri="{FF2B5EF4-FFF2-40B4-BE49-F238E27FC236}">
-                  <a16:creationId xmlns:a16="http://schemas.microsoft.com/office/drawing/2014/main" id="{A4475787-5B49-4DC7-82E5-20A6DD81600E}"/>
-                </a:ext>
-              </a:extLst>
-            </p:cNvPr>
-            <p:cNvPicPr>
-              <a:picLocks noChangeAspect="1"/>
-            </p:cNvPicPr>
-            <p:nvPr/>
-          </p:nvPicPr>
-          <p:blipFill>
-            <a:blip r:embed="rId31"/>
-            <a:stretch>
-              <a:fillRect/>
-            </a:stretch>
-          </p:blipFill>
-          <p:spPr>
-            <a:xfrm>
-              <a:off x="5517306" y="412943"/>
-              <a:ext cx="75236" cy="26279"/>
-            </a:xfrm>
-            <a:prstGeom prst="rect">
-              <a:avLst/>
-            </a:prstGeom>
-            <a:noFill/>
-            <a:ln cap="flat">
-              <a:noFill/>
-            </a:ln>
-          </p:spPr>
-        </p:pic>
-        <p:pic>
-          <p:nvPicPr>
-            <p:cNvPr id="48" name="Ink 50">
-              <a:extLst>
-                <a:ext uri="{FF2B5EF4-FFF2-40B4-BE49-F238E27FC236}">
-                  <a16:creationId xmlns:a16="http://schemas.microsoft.com/office/drawing/2014/main" id="{88BDCB1C-C4A4-4CA9-8581-DD34B9E47338}"/>
-                </a:ext>
-              </a:extLst>
-            </p:cNvPr>
-            <p:cNvPicPr>
-              <a:picLocks noChangeAspect="1"/>
-            </p:cNvPicPr>
-            <p:nvPr/>
-          </p:nvPicPr>
-          <p:blipFill>
-            <a:blip r:embed="rId32"/>
-            <a:stretch>
-              <a:fillRect/>
-            </a:stretch>
-          </p:blipFill>
-          <p:spPr>
-            <a:xfrm>
-              <a:off x="5668502" y="467660"/>
-              <a:ext cx="6839" cy="33841"/>
-            </a:xfrm>
-            <a:prstGeom prst="rect">
-              <a:avLst/>
-            </a:prstGeom>
-            <a:noFill/>
-            <a:ln cap="flat">
-              <a:noFill/>
-            </a:ln>
-          </p:spPr>
-        </p:pic>
-        <p:pic>
-          <p:nvPicPr>
-            <p:cNvPr id="49" name="Ink 51">
-              <a:extLst>
-                <a:ext uri="{FF2B5EF4-FFF2-40B4-BE49-F238E27FC236}">
-                  <a16:creationId xmlns:a16="http://schemas.microsoft.com/office/drawing/2014/main" id="{1DB10A8B-90F7-4052-9FD3-69F197AC1DEE}"/>
-                </a:ext>
-              </a:extLst>
-            </p:cNvPr>
-            <p:cNvPicPr>
-              <a:picLocks noChangeAspect="1"/>
-            </p:cNvPicPr>
-            <p:nvPr/>
-          </p:nvPicPr>
-          <p:blipFill>
-            <a:blip r:embed="rId33"/>
-            <a:stretch>
-              <a:fillRect/>
-            </a:stretch>
-          </p:blipFill>
-          <p:spPr>
-            <a:xfrm>
-              <a:off x="5668502" y="271101"/>
-              <a:ext cx="24844" cy="33119"/>
-            </a:xfrm>
-            <a:prstGeom prst="rect">
-              <a:avLst/>
-            </a:prstGeom>
-            <a:noFill/>
-            <a:ln cap="flat">
-              <a:noFill/>
-            </a:ln>
-          </p:spPr>
-        </p:pic>
-        <p:pic>
-          <p:nvPicPr>
-            <p:cNvPr id="50" name="Ink 52">
-              <a:extLst>
-                <a:ext uri="{FF2B5EF4-FFF2-40B4-BE49-F238E27FC236}">
-                  <a16:creationId xmlns:a16="http://schemas.microsoft.com/office/drawing/2014/main" id="{C1AC26FE-77C8-4041-9B7F-BEE1CA067DC5}"/>
-                </a:ext>
-              </a:extLst>
-            </p:cNvPr>
-            <p:cNvPicPr>
-              <a:picLocks noChangeAspect="1"/>
-            </p:cNvPicPr>
-            <p:nvPr/>
-          </p:nvPicPr>
-          <p:blipFill>
-            <a:blip r:embed="rId34"/>
-            <a:stretch>
-              <a:fillRect/>
-            </a:stretch>
-          </p:blipFill>
-          <p:spPr>
-            <a:xfrm>
-              <a:off x="5778660" y="387019"/>
-              <a:ext cx="226076" cy="100437"/>
-            </a:xfrm>
-            <a:prstGeom prst="rect">
-              <a:avLst/>
-            </a:prstGeom>
-            <a:noFill/>
-            <a:ln cap="flat">
-              <a:noFill/>
-            </a:ln>
-          </p:spPr>
-        </p:pic>
-      </p:grpSp>
       <p:pic>
         <p:nvPicPr>
           <p:cNvPr id="51" name="Ink 54">
@@ -6364,7 +5399,7 @@
           <p:nvPr/>
         </p:nvPicPr>
         <p:blipFill>
-          <a:blip r:embed="rId35"/>
+          <a:blip r:embed="rId8"/>
           <a:stretch>
             <a:fillRect/>
           </a:stretch>
@@ -6418,7 +5453,7 @@
             <p:nvPr/>
           </p:nvPicPr>
           <p:blipFill>
-            <a:blip r:embed="rId36"/>
+            <a:blip r:embed="rId9"/>
             <a:stretch>
               <a:fillRect/>
             </a:stretch>
@@ -6452,7 +5487,7 @@
             <p:nvPr/>
           </p:nvPicPr>
           <p:blipFill>
-            <a:blip r:embed="rId37"/>
+            <a:blip r:embed="rId10"/>
             <a:stretch>
               <a:fillRect/>
             </a:stretch>
@@ -6486,7 +5521,7 @@
             <p:nvPr/>
           </p:nvPicPr>
           <p:blipFill>
-            <a:blip r:embed="rId38"/>
+            <a:blip r:embed="rId11"/>
             <a:stretch>
               <a:fillRect/>
             </a:stretch>
@@ -6520,7 +5555,7 @@
             <p:nvPr/>
           </p:nvPicPr>
           <p:blipFill>
-            <a:blip r:embed="rId39"/>
+            <a:blip r:embed="rId12"/>
             <a:stretch>
               <a:fillRect/>
             </a:stretch>
@@ -6554,7 +5589,7 @@
             <p:nvPr/>
           </p:nvPicPr>
           <p:blipFill>
-            <a:blip r:embed="rId40"/>
+            <a:blip r:embed="rId13"/>
             <a:stretch>
               <a:fillRect/>
             </a:stretch>
@@ -6574,6 +5609,76 @@
           </p:spPr>
         </p:pic>
       </p:grpSp>
+      <p:sp>
+        <p:nvSpPr>
+          <p:cNvPr id="58" name="TextBox 57">
+            <a:extLst>
+              <a:ext uri="{FF2B5EF4-FFF2-40B4-BE49-F238E27FC236}">
+                <a16:creationId xmlns:a16="http://schemas.microsoft.com/office/drawing/2014/main" id="{6E80E381-72AE-482E-A896-94778B041969}"/>
+              </a:ext>
+            </a:extLst>
+          </p:cNvPr>
+          <p:cNvSpPr txBox="1"/>
+          <p:nvPr/>
+        </p:nvSpPr>
+        <p:spPr>
+          <a:xfrm>
+            <a:off x="4943342" y="440072"/>
+            <a:ext cx="1114408" cy="369332"/>
+          </a:xfrm>
+          <a:prstGeom prst="rect">
+            <a:avLst/>
+          </a:prstGeom>
+          <a:noFill/>
+        </p:spPr>
+        <p:txBody>
+          <a:bodyPr wrap="none" rtlCol="0">
+            <a:spAutoFit/>
+          </a:bodyPr>
+          <a:lstStyle/>
+          <a:p>
+            <a:r>
+              <a:rPr lang="en-US" dirty="0"/>
+              <a:t>1 solution</a:t>
+            </a:r>
+          </a:p>
+        </p:txBody>
+      </p:sp>
+      <p:sp>
+        <p:nvSpPr>
+          <p:cNvPr id="59" name="TextBox 58">
+            <a:extLst>
+              <a:ext uri="{FF2B5EF4-FFF2-40B4-BE49-F238E27FC236}">
+                <a16:creationId xmlns:a16="http://schemas.microsoft.com/office/drawing/2014/main" id="{86171140-1F24-4561-8A74-D08A97D13EA1}"/>
+              </a:ext>
+            </a:extLst>
+          </p:cNvPr>
+          <p:cNvSpPr txBox="1"/>
+          <p:nvPr/>
+        </p:nvSpPr>
+        <p:spPr>
+          <a:xfrm>
+            <a:off x="7231807" y="181357"/>
+            <a:ext cx="2023183" cy="369332"/>
+          </a:xfrm>
+          <a:prstGeom prst="rect">
+            <a:avLst/>
+          </a:prstGeom>
+          <a:noFill/>
+        </p:spPr>
+        <p:txBody>
+          <a:bodyPr wrap="none" rtlCol="0">
+            <a:spAutoFit/>
+          </a:bodyPr>
+          <a:lstStyle/>
+          <a:p>
+            <a:r>
+              <a:rPr lang="en-US" dirty="0"/>
+              <a:t>Parallel coordinates</a:t>
+            </a:r>
+          </a:p>
+        </p:txBody>
+      </p:sp>
     </p:spTree>
   </p:cSld>
   <p:clrMapOvr>
